--- a/ppt/html-css-js.pptx
+++ b/ppt/html-css-js.pptx
@@ -8,6 +8,11 @@
     <p:sldId id="256" r:id="rId2"/>
     <p:sldId id="257" r:id="rId3"/>
     <p:sldId id="258" r:id="rId4"/>
+    <p:sldId id="259" r:id="rId5"/>
+    <p:sldId id="260" r:id="rId6"/>
+    <p:sldId id="261" r:id="rId7"/>
+    <p:sldId id="262" r:id="rId8"/>
+    <p:sldId id="263" r:id="rId9"/>
   </p:sldIdLst>
   <p:sldSz cx="9144000" cy="6858000" type="screen4x3"/>
   <p:notesSz cx="6858000" cy="9144000"/>
@@ -106,6 +111,41 @@
       </a:defRPr>
     </a:lvl9pPr>
   </p:defaultTextStyle>
+  <p:extLst>
+    <p:ext uri="{521415D9-36F7-43E2-AB2F-B90AF26B5E84}">
+      <p14:sectionLst xmlns:p14="http://schemas.microsoft.com/office/powerpoint/2010/main">
+        <p14:section name="默认节" id="{4FD66C3C-8FBB-4610-8734-EB061C99EA2A}">
+          <p14:sldIdLst>
+            <p14:sldId id="256"/>
+            <p14:sldId id="257"/>
+            <p14:sldId id="258"/>
+            <p14:sldId id="259"/>
+            <p14:sldId id="260"/>
+            <p14:sldId id="261"/>
+            <p14:sldId id="262"/>
+            <p14:sldId id="263"/>
+          </p14:sldIdLst>
+        </p14:section>
+        <p14:section name="无标题节" id="{868D61EA-63E4-430D-ACCD-19BEA391F804}">
+          <p14:sldIdLst/>
+        </p14:section>
+      </p14:sectionLst>
+    </p:ext>
+    <p:ext uri="{EFAFB233-063F-42B5-8137-9DF3F51BA10A}">
+      <p15:sldGuideLst xmlns:p15="http://schemas.microsoft.com/office/powerpoint/2012/main">
+        <p15:guide id="1" orient="horz" pos="2160">
+          <p15:clr>
+            <a:srgbClr val="A4A3A4"/>
+          </p15:clr>
+        </p15:guide>
+        <p15:guide id="2" pos="2880">
+          <p15:clr>
+            <a:srgbClr val="A4A3A4"/>
+          </p15:clr>
+        </p15:guide>
+      </p15:sldGuideLst>
+    </p:ext>
+  </p:extLst>
 </p:presentation>
 </file>
 
@@ -3116,11 +3156,7 @@
             </a:pPr>
             <a:r>
               <a:rPr lang="en-US" altLang="zh-CN" dirty="0" smtClean="0"/>
-              <a:t>h</a:t>
-            </a:r>
-            <a:r>
-              <a:rPr lang="en-US" altLang="zh-CN" dirty="0" smtClean="0"/>
-              <a:t>tml</a:t>
+              <a:t>html</a:t>
             </a:r>
           </a:p>
           <a:p>
@@ -3129,11 +3165,7 @@
             </a:pPr>
             <a:r>
               <a:rPr lang="en-US" altLang="zh-CN" dirty="0" smtClean="0"/>
-              <a:t>c</a:t>
-            </a:r>
-            <a:r>
-              <a:rPr lang="en-US" altLang="zh-CN" dirty="0" smtClean="0"/>
-              <a:t>ss3</a:t>
+              <a:t>css3</a:t>
             </a:r>
           </a:p>
           <a:p>
@@ -3415,11 +3447,7 @@
           <a:p>
             <a:r>
               <a:rPr lang="en-US" altLang="zh-CN" dirty="0" err="1" smtClean="0"/>
-              <a:t>c</a:t>
-            </a:r>
-            <a:r>
-              <a:rPr lang="en-US" altLang="zh-CN" dirty="0" err="1" smtClean="0"/>
-              <a:t>ss</a:t>
+              <a:t>css</a:t>
             </a:r>
             <a:r>
               <a:rPr lang="zh-CN" altLang="en-US" dirty="0" smtClean="0"/>
@@ -3436,7 +3464,6 @@
               <a:rPr lang="en-US" altLang="zh-CN" dirty="0" smtClean="0"/>
               <a:t>style</a:t>
             </a:r>
-            <a:endParaRPr lang="en-US" altLang="zh-CN" dirty="0" smtClean="0"/>
           </a:p>
           <a:p>
             <a:endParaRPr lang="zh-CN" altLang="en-US" dirty="0"/>
@@ -3617,11 +3644,16 @@
             </a:pPr>
             <a:r>
               <a:rPr lang="en-US" altLang="zh-CN" sz="1600" dirty="0" smtClean="0"/>
-              <a:t>	</a:t>
-            </a:r>
+              <a:t>	&lt;head&gt;&lt;/head&gt;</a:t>
+            </a:r>
+          </a:p>
+          <a:p>
+            <a:pPr>
+              <a:buNone/>
+            </a:pPr>
             <a:r>
               <a:rPr lang="en-US" altLang="zh-CN" sz="1600" dirty="0" smtClean="0"/>
-              <a:t>&lt;head&gt;&lt;/head&gt;</a:t>
+              <a:t>	&lt;body&gt;</a:t>
             </a:r>
           </a:p>
           <a:p>
@@ -3630,11 +3662,16 @@
             </a:pPr>
             <a:r>
               <a:rPr lang="en-US" altLang="zh-CN" sz="1600" dirty="0" smtClean="0"/>
-              <a:t>	</a:t>
-            </a:r>
+              <a:t>		&lt;div&gt;content&lt;/div&gt;</a:t>
+            </a:r>
+          </a:p>
+          <a:p>
+            <a:pPr>
+              <a:buNone/>
+            </a:pPr>
             <a:r>
               <a:rPr lang="en-US" altLang="zh-CN" sz="1600" dirty="0" smtClean="0"/>
-              <a:t>&lt;body&gt;</a:t>
+              <a:t>	&lt;/body&gt;</a:t>
             </a:r>
           </a:p>
           <a:p>
@@ -3643,37 +3680,7 @@
             </a:pPr>
             <a:r>
               <a:rPr lang="en-US" altLang="zh-CN" sz="1600" dirty="0" smtClean="0"/>
-              <a:t>		</a:t>
-            </a:r>
-            <a:r>
-              <a:rPr lang="en-US" altLang="zh-CN" sz="1600" dirty="0" smtClean="0"/>
-              <a:t>&lt;div&gt;content&lt;/div&gt;</a:t>
-            </a:r>
-          </a:p>
-          <a:p>
-            <a:pPr>
-              <a:buNone/>
-            </a:pPr>
-            <a:r>
-              <a:rPr lang="en-US" altLang="zh-CN" sz="1600" dirty="0" smtClean="0"/>
-              <a:t>	</a:t>
-            </a:r>
-            <a:r>
-              <a:rPr lang="en-US" altLang="zh-CN" sz="1600" dirty="0" smtClean="0"/>
-              <a:t>&lt;/body&gt;</a:t>
-            </a:r>
-          </a:p>
-          <a:p>
-            <a:pPr>
-              <a:buNone/>
-            </a:pPr>
-            <a:r>
-              <a:rPr lang="en-US" altLang="zh-CN" sz="1600" dirty="0" smtClean="0"/>
-              <a:t>	</a:t>
-            </a:r>
-            <a:r>
-              <a:rPr lang="en-US" altLang="zh-CN" sz="1600" dirty="0" smtClean="0"/>
-              <a:t>&lt;/html&gt;</a:t>
+              <a:t>	&lt;/html&gt;</a:t>
             </a:r>
           </a:p>
           <a:p>
@@ -3682,6 +3689,488 @@
         </p:txBody>
       </p:sp>
     </p:spTree>
+  </p:cSld>
+  <p:clrMapOvr>
+    <a:masterClrMapping/>
+  </p:clrMapOvr>
+</p:sld>
+</file>
+
+<file path=ppt/slides/slide4.xml><?xml version="1.0" encoding="utf-8"?>
+<p:sld xmlns:a="http://schemas.openxmlformats.org/drawingml/2006/main" xmlns:r="http://schemas.openxmlformats.org/officeDocument/2006/relationships" xmlns:p="http://schemas.openxmlformats.org/presentationml/2006/main">
+  <p:cSld>
+    <p:spTree>
+      <p:nvGrpSpPr>
+        <p:cNvPr id="1" name=""/>
+        <p:cNvGrpSpPr/>
+        <p:nvPr/>
+      </p:nvGrpSpPr>
+      <p:grpSpPr>
+        <a:xfrm>
+          <a:off x="0" y="0"/>
+          <a:ext cx="0" cy="0"/>
+          <a:chOff x="0" y="0"/>
+          <a:chExt cx="0" cy="0"/>
+        </a:xfrm>
+      </p:grpSpPr>
+      <p:sp>
+        <p:nvSpPr>
+          <p:cNvPr id="2" name="标题 1"/>
+          <p:cNvSpPr>
+            <a:spLocks noGrp="1"/>
+          </p:cNvSpPr>
+          <p:nvPr>
+            <p:ph type="title"/>
+          </p:nvPr>
+        </p:nvSpPr>
+        <p:spPr/>
+        <p:txBody>
+          <a:bodyPr/>
+          <a:lstStyle/>
+          <a:p>
+            <a:r>
+              <a:rPr lang="en-US" altLang="zh-CN" dirty="0" err="1" smtClean="0"/>
+              <a:t>Css</a:t>
+            </a:r>
+            <a:r>
+              <a:rPr lang="zh-CN" altLang="en-US" dirty="0" smtClean="0"/>
+              <a:t>三种加载方式</a:t>
+            </a:r>
+            <a:endParaRPr lang="zh-CN" altLang="en-US" dirty="0"/>
+          </a:p>
+        </p:txBody>
+      </p:sp>
+      <p:sp>
+        <p:nvSpPr>
+          <p:cNvPr id="3" name="内容占位符 2"/>
+          <p:cNvSpPr>
+            <a:spLocks noGrp="1"/>
+          </p:cNvSpPr>
+          <p:nvPr>
+            <p:ph idx="1"/>
+          </p:nvPr>
+        </p:nvSpPr>
+        <p:spPr/>
+        <p:txBody>
+          <a:bodyPr/>
+          <a:lstStyle/>
+          <a:p>
+            <a:r>
+              <a:rPr lang="zh-CN" altLang="en-US" dirty="0"/>
+              <a:t>行</a:t>
+            </a:r>
+            <a:r>
+              <a:rPr lang="zh-CN" altLang="en-US" dirty="0" smtClean="0"/>
+              <a:t>内 </a:t>
+            </a:r>
+            <a:r>
+              <a:rPr lang="en-US" altLang="zh-CN" dirty="0" smtClean="0"/>
+              <a:t>style</a:t>
+            </a:r>
+          </a:p>
+          <a:p>
+            <a:r>
+              <a:rPr lang="zh-CN" altLang="en-US" dirty="0"/>
+              <a:t>内</a:t>
+            </a:r>
+            <a:r>
+              <a:rPr lang="zh-CN" altLang="en-US" dirty="0" smtClean="0"/>
+              <a:t>联 </a:t>
+            </a:r>
+            <a:r>
+              <a:rPr lang="en-US" altLang="zh-CN" dirty="0" smtClean="0"/>
+              <a:t>&lt;style&gt;</a:t>
+            </a:r>
+          </a:p>
+          <a:p>
+            <a:r>
+              <a:rPr lang="zh-CN" altLang="en-US" dirty="0" smtClean="0"/>
+              <a:t>外联 </a:t>
+            </a:r>
+            <a:r>
+              <a:rPr lang="en-US" altLang="zh-CN" dirty="0" smtClean="0"/>
+              <a:t>&lt;link&gt;</a:t>
+            </a:r>
+            <a:endParaRPr lang="zh-CN" altLang="en-US" dirty="0"/>
+          </a:p>
+        </p:txBody>
+      </p:sp>
+    </p:spTree>
+    <p:extLst>
+      <p:ext uri="{BB962C8B-B14F-4D97-AF65-F5344CB8AC3E}">
+        <p14:creationId xmlns:p14="http://schemas.microsoft.com/office/powerpoint/2010/main" val="760042363"/>
+      </p:ext>
+    </p:extLst>
+  </p:cSld>
+  <p:clrMapOvr>
+    <a:masterClrMapping/>
+  </p:clrMapOvr>
+</p:sld>
+</file>
+
+<file path=ppt/slides/slide5.xml><?xml version="1.0" encoding="utf-8"?>
+<p:sld xmlns:a="http://schemas.openxmlformats.org/drawingml/2006/main" xmlns:r="http://schemas.openxmlformats.org/officeDocument/2006/relationships" xmlns:p="http://schemas.openxmlformats.org/presentationml/2006/main">
+  <p:cSld>
+    <p:spTree>
+      <p:nvGrpSpPr>
+        <p:cNvPr id="1" name=""/>
+        <p:cNvGrpSpPr/>
+        <p:nvPr/>
+      </p:nvGrpSpPr>
+      <p:grpSpPr>
+        <a:xfrm>
+          <a:off x="0" y="0"/>
+          <a:ext cx="0" cy="0"/>
+          <a:chOff x="0" y="0"/>
+          <a:chExt cx="0" cy="0"/>
+        </a:xfrm>
+      </p:grpSpPr>
+      <p:sp>
+        <p:nvSpPr>
+          <p:cNvPr id="2" name="标题 1"/>
+          <p:cNvSpPr>
+            <a:spLocks noGrp="1"/>
+          </p:cNvSpPr>
+          <p:nvPr>
+            <p:ph type="title"/>
+          </p:nvPr>
+        </p:nvSpPr>
+        <p:spPr/>
+        <p:txBody>
+          <a:bodyPr/>
+          <a:lstStyle/>
+          <a:p>
+            <a:r>
+              <a:rPr lang="zh-CN" altLang="en-US" dirty="0" smtClean="0"/>
+              <a:t>表单</a:t>
+            </a:r>
+            <a:endParaRPr lang="zh-CN" altLang="en-US" dirty="0"/>
+          </a:p>
+        </p:txBody>
+      </p:sp>
+      <p:sp>
+        <p:nvSpPr>
+          <p:cNvPr id="3" name="内容占位符 2"/>
+          <p:cNvSpPr>
+            <a:spLocks noGrp="1"/>
+          </p:cNvSpPr>
+          <p:nvPr>
+            <p:ph idx="1"/>
+          </p:nvPr>
+        </p:nvSpPr>
+        <p:spPr/>
+        <p:txBody>
+          <a:bodyPr/>
+          <a:lstStyle/>
+          <a:p>
+            <a:r>
+              <a:rPr lang="zh-CN" altLang="en-US" dirty="0" smtClean="0"/>
+              <a:t>输入组件</a:t>
+            </a:r>
+            <a:endParaRPr lang="en-US" altLang="zh-CN" dirty="0" smtClean="0"/>
+          </a:p>
+          <a:p>
+            <a:r>
+              <a:rPr lang="zh-CN" altLang="en-US" dirty="0"/>
+              <a:t>按钮</a:t>
+            </a:r>
+          </a:p>
+        </p:txBody>
+      </p:sp>
+    </p:spTree>
+    <p:extLst>
+      <p:ext uri="{BB962C8B-B14F-4D97-AF65-F5344CB8AC3E}">
+        <p14:creationId xmlns:p14="http://schemas.microsoft.com/office/powerpoint/2010/main" val="406889459"/>
+      </p:ext>
+    </p:extLst>
+  </p:cSld>
+  <p:clrMapOvr>
+    <a:masterClrMapping/>
+  </p:clrMapOvr>
+</p:sld>
+</file>
+
+<file path=ppt/slides/slide6.xml><?xml version="1.0" encoding="utf-8"?>
+<p:sld xmlns:a="http://schemas.openxmlformats.org/drawingml/2006/main" xmlns:r="http://schemas.openxmlformats.org/officeDocument/2006/relationships" xmlns:p="http://schemas.openxmlformats.org/presentationml/2006/main">
+  <p:cSld>
+    <p:spTree>
+      <p:nvGrpSpPr>
+        <p:cNvPr id="1" name=""/>
+        <p:cNvGrpSpPr/>
+        <p:nvPr/>
+      </p:nvGrpSpPr>
+      <p:grpSpPr>
+        <a:xfrm>
+          <a:off x="0" y="0"/>
+          <a:ext cx="0" cy="0"/>
+          <a:chOff x="0" y="0"/>
+          <a:chExt cx="0" cy="0"/>
+        </a:xfrm>
+      </p:grpSpPr>
+      <p:sp>
+        <p:nvSpPr>
+          <p:cNvPr id="2" name="标题 1"/>
+          <p:cNvSpPr>
+            <a:spLocks noGrp="1"/>
+          </p:cNvSpPr>
+          <p:nvPr>
+            <p:ph type="title"/>
+          </p:nvPr>
+        </p:nvSpPr>
+        <p:spPr/>
+        <p:txBody>
+          <a:bodyPr/>
+          <a:lstStyle/>
+          <a:p>
+            <a:r>
+              <a:rPr lang="en-US" altLang="zh-CN" dirty="0" err="1" smtClean="0"/>
+              <a:t>css</a:t>
+            </a:r>
+            <a:r>
+              <a:rPr lang="zh-CN" altLang="en-US" dirty="0" smtClean="0"/>
+              <a:t>选择器</a:t>
+            </a:r>
+            <a:endParaRPr lang="zh-CN" altLang="en-US" dirty="0"/>
+          </a:p>
+        </p:txBody>
+      </p:sp>
+      <p:sp>
+        <p:nvSpPr>
+          <p:cNvPr id="3" name="内容占位符 2"/>
+          <p:cNvSpPr>
+            <a:spLocks noGrp="1"/>
+          </p:cNvSpPr>
+          <p:nvPr>
+            <p:ph idx="1"/>
+          </p:nvPr>
+        </p:nvSpPr>
+        <p:spPr/>
+        <p:txBody>
+          <a:bodyPr/>
+          <a:lstStyle/>
+          <a:p>
+            <a:r>
+              <a:rPr lang="en-US" altLang="zh-CN" dirty="0"/>
+              <a:t>i</a:t>
+            </a:r>
+            <a:r>
+              <a:rPr lang="en-US" altLang="zh-CN" dirty="0" smtClean="0"/>
+              <a:t>d</a:t>
+            </a:r>
+          </a:p>
+          <a:p>
+            <a:r>
+              <a:rPr lang="zh-CN" altLang="en-US" dirty="0" smtClean="0"/>
+              <a:t>标签</a:t>
+            </a:r>
+            <a:endParaRPr lang="en-US" altLang="zh-CN" dirty="0" smtClean="0"/>
+          </a:p>
+          <a:p>
+            <a:r>
+              <a:rPr lang="en-US" altLang="zh-CN" dirty="0"/>
+              <a:t> </a:t>
+            </a:r>
+            <a:r>
+              <a:rPr lang="en-US" altLang="zh-CN" dirty="0" smtClean="0"/>
+              <a:t>class</a:t>
+            </a:r>
+            <a:endParaRPr lang="zh-CN" altLang="en-US" dirty="0"/>
+          </a:p>
+        </p:txBody>
+      </p:sp>
+    </p:spTree>
+    <p:extLst>
+      <p:ext uri="{BB962C8B-B14F-4D97-AF65-F5344CB8AC3E}">
+        <p14:creationId xmlns:p14="http://schemas.microsoft.com/office/powerpoint/2010/main" val="771025009"/>
+      </p:ext>
+    </p:extLst>
+  </p:cSld>
+  <p:clrMapOvr>
+    <a:masterClrMapping/>
+  </p:clrMapOvr>
+</p:sld>
+</file>
+
+<file path=ppt/slides/slide7.xml><?xml version="1.0" encoding="utf-8"?>
+<p:sld xmlns:a="http://schemas.openxmlformats.org/drawingml/2006/main" xmlns:r="http://schemas.openxmlformats.org/officeDocument/2006/relationships" xmlns:p="http://schemas.openxmlformats.org/presentationml/2006/main">
+  <p:cSld>
+    <p:spTree>
+      <p:nvGrpSpPr>
+        <p:cNvPr id="1" name=""/>
+        <p:cNvGrpSpPr/>
+        <p:nvPr/>
+      </p:nvGrpSpPr>
+      <p:grpSpPr>
+        <a:xfrm>
+          <a:off x="0" y="0"/>
+          <a:ext cx="0" cy="0"/>
+          <a:chOff x="0" y="0"/>
+          <a:chExt cx="0" cy="0"/>
+        </a:xfrm>
+      </p:grpSpPr>
+      <p:sp>
+        <p:nvSpPr>
+          <p:cNvPr id="2" name="标题 1"/>
+          <p:cNvSpPr>
+            <a:spLocks noGrp="1"/>
+          </p:cNvSpPr>
+          <p:nvPr>
+            <p:ph type="title"/>
+          </p:nvPr>
+        </p:nvSpPr>
+        <p:spPr/>
+        <p:txBody>
+          <a:bodyPr/>
+          <a:lstStyle/>
+          <a:p>
+            <a:r>
+              <a:rPr lang="en-US" altLang="zh-CN" dirty="0" err="1" smtClean="0"/>
+              <a:t>Js</a:t>
+            </a:r>
+            <a:r>
+              <a:rPr lang="zh-CN" altLang="en-US" dirty="0" smtClean="0"/>
+              <a:t>的两种使用方式</a:t>
+            </a:r>
+            <a:endParaRPr lang="zh-CN" altLang="en-US" dirty="0"/>
+          </a:p>
+        </p:txBody>
+      </p:sp>
+      <p:sp>
+        <p:nvSpPr>
+          <p:cNvPr id="3" name="内容占位符 2"/>
+          <p:cNvSpPr>
+            <a:spLocks noGrp="1"/>
+          </p:cNvSpPr>
+          <p:nvPr>
+            <p:ph idx="1"/>
+          </p:nvPr>
+        </p:nvSpPr>
+        <p:spPr/>
+        <p:txBody>
+          <a:bodyPr/>
+          <a:lstStyle/>
+          <a:p>
+            <a:r>
+              <a:rPr lang="zh-CN" altLang="en-US" dirty="0" smtClean="0"/>
+              <a:t>同一页面内</a:t>
+            </a:r>
+            <a:endParaRPr lang="en-US" altLang="zh-CN" dirty="0" smtClean="0"/>
+          </a:p>
+          <a:p>
+            <a:r>
+              <a:rPr lang="en-US" altLang="zh-CN" dirty="0"/>
+              <a:t> </a:t>
+            </a:r>
+            <a:r>
+              <a:rPr lang="zh-CN" altLang="en-US" dirty="0" smtClean="0"/>
+              <a:t>外联</a:t>
+            </a:r>
+            <a:endParaRPr lang="zh-CN" altLang="en-US" dirty="0"/>
+          </a:p>
+        </p:txBody>
+      </p:sp>
+    </p:spTree>
+    <p:extLst>
+      <p:ext uri="{BB962C8B-B14F-4D97-AF65-F5344CB8AC3E}">
+        <p14:creationId xmlns:p14="http://schemas.microsoft.com/office/powerpoint/2010/main" val="3602455617"/>
+      </p:ext>
+    </p:extLst>
+  </p:cSld>
+  <p:clrMapOvr>
+    <a:masterClrMapping/>
+  </p:clrMapOvr>
+</p:sld>
+</file>
+
+<file path=ppt/slides/slide8.xml><?xml version="1.0" encoding="utf-8"?>
+<p:sld xmlns:a="http://schemas.openxmlformats.org/drawingml/2006/main" xmlns:r="http://schemas.openxmlformats.org/officeDocument/2006/relationships" xmlns:p="http://schemas.openxmlformats.org/presentationml/2006/main">
+  <p:cSld>
+    <p:spTree>
+      <p:nvGrpSpPr>
+        <p:cNvPr id="1" name=""/>
+        <p:cNvGrpSpPr/>
+        <p:nvPr/>
+      </p:nvGrpSpPr>
+      <p:grpSpPr>
+        <a:xfrm>
+          <a:off x="0" y="0"/>
+          <a:ext cx="0" cy="0"/>
+          <a:chOff x="0" y="0"/>
+          <a:chExt cx="0" cy="0"/>
+        </a:xfrm>
+      </p:grpSpPr>
+      <p:sp>
+        <p:nvSpPr>
+          <p:cNvPr id="2" name="标题 1"/>
+          <p:cNvSpPr>
+            <a:spLocks noGrp="1"/>
+          </p:cNvSpPr>
+          <p:nvPr>
+            <p:ph type="title"/>
+          </p:nvPr>
+        </p:nvSpPr>
+        <p:spPr/>
+        <p:txBody>
+          <a:bodyPr/>
+          <a:lstStyle/>
+          <a:p>
+            <a:r>
+              <a:rPr lang="en-US" altLang="zh-CN" dirty="0" err="1" smtClean="0"/>
+              <a:t>js</a:t>
+            </a:r>
+            <a:endParaRPr lang="zh-CN" altLang="en-US" dirty="0"/>
+          </a:p>
+        </p:txBody>
+      </p:sp>
+      <p:sp>
+        <p:nvSpPr>
+          <p:cNvPr id="3" name="内容占位符 2"/>
+          <p:cNvSpPr>
+            <a:spLocks noGrp="1"/>
+          </p:cNvSpPr>
+          <p:nvPr>
+            <p:ph idx="1"/>
+          </p:nvPr>
+        </p:nvSpPr>
+        <p:spPr/>
+        <p:txBody>
+          <a:bodyPr/>
+          <a:lstStyle/>
+          <a:p>
+            <a:r>
+              <a:rPr lang="zh-CN" altLang="en-US" dirty="0" smtClean="0"/>
+              <a:t>变量</a:t>
+            </a:r>
+            <a:endParaRPr lang="en-US" altLang="zh-CN" dirty="0" smtClean="0"/>
+          </a:p>
+          <a:p>
+            <a:r>
+              <a:rPr lang="zh-CN" altLang="en-US" dirty="0" smtClean="0"/>
+              <a:t>基础语法</a:t>
+            </a:r>
+            <a:endParaRPr lang="en-US" altLang="zh-CN" dirty="0" smtClean="0"/>
+          </a:p>
+          <a:p>
+            <a:r>
+              <a:rPr lang="zh-CN" altLang="en-US" dirty="0" smtClean="0"/>
+              <a:t>函数</a:t>
+            </a:r>
+            <a:endParaRPr lang="en-US" altLang="zh-CN" dirty="0" smtClean="0"/>
+          </a:p>
+          <a:p>
+            <a:r>
+              <a:rPr lang="zh-CN" altLang="en-US" dirty="0"/>
+              <a:t>事件</a:t>
+            </a:r>
+          </a:p>
+        </p:txBody>
+      </p:sp>
+    </p:spTree>
+    <p:extLst>
+      <p:ext uri="{BB962C8B-B14F-4D97-AF65-F5344CB8AC3E}">
+        <p14:creationId xmlns:p14="http://schemas.microsoft.com/office/powerpoint/2010/main" val="1901179057"/>
+      </p:ext>
+    </p:extLst>
   </p:cSld>
   <p:clrMapOvr>
     <a:masterClrMapping/>

--- a/ppt/html-css-js.pptx
+++ b/ppt/html-css-js.pptx
@@ -13,6 +13,8 @@
     <p:sldId id="261" r:id="rId7"/>
     <p:sldId id="262" r:id="rId8"/>
     <p:sldId id="263" r:id="rId9"/>
+    <p:sldId id="264" r:id="rId10"/>
+    <p:sldId id="265" r:id="rId11"/>
   </p:sldIdLst>
   <p:sldSz cx="9144000" cy="6858000" type="screen4x3"/>
   <p:notesSz cx="6858000" cy="9144000"/>
@@ -113,7 +115,7 @@
   </p:defaultTextStyle>
   <p:extLst>
     <p:ext uri="{521415D9-36F7-43E2-AB2F-B90AF26B5E84}">
-      <p14:sectionLst xmlns:p14="http://schemas.microsoft.com/office/powerpoint/2010/main">
+      <p14:sectionLst xmlns="" xmlns:p14="http://schemas.microsoft.com/office/powerpoint/2010/main">
         <p14:section name="默认节" id="{4FD66C3C-8FBB-4610-8734-EB061C99EA2A}">
           <p14:sldIdLst>
             <p14:sldId id="256"/>
@@ -132,7 +134,7 @@
       </p14:sectionLst>
     </p:ext>
     <p:ext uri="{EFAFB233-063F-42B5-8137-9DF3F51BA10A}">
-      <p15:sldGuideLst xmlns:p15="http://schemas.microsoft.com/office/powerpoint/2012/main">
+      <p15:sldGuideLst xmlns="" xmlns:p15="http://schemas.microsoft.com/office/powerpoint/2012/main">
         <p15:guide id="1" orient="horz" pos="2160">
           <p15:clr>
             <a:srgbClr val="A4A3A4"/>
@@ -331,7 +333,7 @@
             <a:fld id="{530820CF-B880-4189-942D-D702A7CBA730}" type="datetimeFigureOut">
               <a:rPr lang="zh-CN" altLang="en-US" smtClean="0"/>
               <a:pPr/>
-              <a:t>2017/7/25</a:t>
+              <a:t>2017/7/27</a:t>
             </a:fld>
             <a:endParaRPr lang="zh-CN" altLang="en-US"/>
           </a:p>
@@ -498,7 +500,7 @@
             <a:fld id="{530820CF-B880-4189-942D-D702A7CBA730}" type="datetimeFigureOut">
               <a:rPr lang="zh-CN" altLang="en-US" smtClean="0"/>
               <a:pPr/>
-              <a:t>2017/7/25</a:t>
+              <a:t>2017/7/27</a:t>
             </a:fld>
             <a:endParaRPr lang="zh-CN" altLang="en-US"/>
           </a:p>
@@ -675,7 +677,7 @@
             <a:fld id="{530820CF-B880-4189-942D-D702A7CBA730}" type="datetimeFigureOut">
               <a:rPr lang="zh-CN" altLang="en-US" smtClean="0"/>
               <a:pPr/>
-              <a:t>2017/7/25</a:t>
+              <a:t>2017/7/27</a:t>
             </a:fld>
             <a:endParaRPr lang="zh-CN" altLang="en-US"/>
           </a:p>
@@ -842,7 +844,7 @@
             <a:fld id="{530820CF-B880-4189-942D-D702A7CBA730}" type="datetimeFigureOut">
               <a:rPr lang="zh-CN" altLang="en-US" smtClean="0"/>
               <a:pPr/>
-              <a:t>2017/7/25</a:t>
+              <a:t>2017/7/27</a:t>
             </a:fld>
             <a:endParaRPr lang="zh-CN" altLang="en-US"/>
           </a:p>
@@ -1085,7 +1087,7 @@
             <a:fld id="{530820CF-B880-4189-942D-D702A7CBA730}" type="datetimeFigureOut">
               <a:rPr lang="zh-CN" altLang="en-US" smtClean="0"/>
               <a:pPr/>
-              <a:t>2017/7/25</a:t>
+              <a:t>2017/7/27</a:t>
             </a:fld>
             <a:endParaRPr lang="zh-CN" altLang="en-US"/>
           </a:p>
@@ -1370,7 +1372,7 @@
             <a:fld id="{530820CF-B880-4189-942D-D702A7CBA730}" type="datetimeFigureOut">
               <a:rPr lang="zh-CN" altLang="en-US" smtClean="0"/>
               <a:pPr/>
-              <a:t>2017/7/25</a:t>
+              <a:t>2017/7/27</a:t>
             </a:fld>
             <a:endParaRPr lang="zh-CN" altLang="en-US"/>
           </a:p>
@@ -1789,7 +1791,7 @@
             <a:fld id="{530820CF-B880-4189-942D-D702A7CBA730}" type="datetimeFigureOut">
               <a:rPr lang="zh-CN" altLang="en-US" smtClean="0"/>
               <a:pPr/>
-              <a:t>2017/7/25</a:t>
+              <a:t>2017/7/27</a:t>
             </a:fld>
             <a:endParaRPr lang="zh-CN" altLang="en-US"/>
           </a:p>
@@ -1904,7 +1906,7 @@
             <a:fld id="{530820CF-B880-4189-942D-D702A7CBA730}" type="datetimeFigureOut">
               <a:rPr lang="zh-CN" altLang="en-US" smtClean="0"/>
               <a:pPr/>
-              <a:t>2017/7/25</a:t>
+              <a:t>2017/7/27</a:t>
             </a:fld>
             <a:endParaRPr lang="zh-CN" altLang="en-US"/>
           </a:p>
@@ -1996,7 +1998,7 @@
             <a:fld id="{530820CF-B880-4189-942D-D702A7CBA730}" type="datetimeFigureOut">
               <a:rPr lang="zh-CN" altLang="en-US" smtClean="0"/>
               <a:pPr/>
-              <a:t>2017/7/25</a:t>
+              <a:t>2017/7/27</a:t>
             </a:fld>
             <a:endParaRPr lang="zh-CN" altLang="en-US"/>
           </a:p>
@@ -2270,7 +2272,7 @@
             <a:fld id="{530820CF-B880-4189-942D-D702A7CBA730}" type="datetimeFigureOut">
               <a:rPr lang="zh-CN" altLang="en-US" smtClean="0"/>
               <a:pPr/>
-              <a:t>2017/7/25</a:t>
+              <a:t>2017/7/27</a:t>
             </a:fld>
             <a:endParaRPr lang="zh-CN" altLang="en-US"/>
           </a:p>
@@ -2520,7 +2522,7 @@
             <a:fld id="{530820CF-B880-4189-942D-D702A7CBA730}" type="datetimeFigureOut">
               <a:rPr lang="zh-CN" altLang="en-US" smtClean="0"/>
               <a:pPr/>
-              <a:t>2017/7/25</a:t>
+              <a:t>2017/7/27</a:t>
             </a:fld>
             <a:endParaRPr lang="zh-CN" altLang="en-US"/>
           </a:p>
@@ -2730,7 +2732,7 @@
             <a:fld id="{530820CF-B880-4189-942D-D702A7CBA730}" type="datetimeFigureOut">
               <a:rPr lang="zh-CN" altLang="en-US" smtClean="0"/>
               <a:pPr/>
-              <a:t>2017/7/25</a:t>
+              <a:t>2017/7/27</a:t>
             </a:fld>
             <a:endParaRPr lang="zh-CN" altLang="en-US"/>
           </a:p>
@@ -3365,6 +3367,108 @@
 </p:sld>
 </file>
 
+<file path=ppt/slides/slide10.xml><?xml version="1.0" encoding="utf-8"?>
+<p:sld xmlns:a="http://schemas.openxmlformats.org/drawingml/2006/main" xmlns:r="http://schemas.openxmlformats.org/officeDocument/2006/relationships" xmlns:p="http://schemas.openxmlformats.org/presentationml/2006/main">
+  <p:cSld>
+    <p:spTree>
+      <p:nvGrpSpPr>
+        <p:cNvPr id="1" name=""/>
+        <p:cNvGrpSpPr/>
+        <p:nvPr/>
+      </p:nvGrpSpPr>
+      <p:grpSpPr>
+        <a:xfrm>
+          <a:off x="0" y="0"/>
+          <a:ext cx="0" cy="0"/>
+          <a:chOff x="0" y="0"/>
+          <a:chExt cx="0" cy="0"/>
+        </a:xfrm>
+      </p:grpSpPr>
+      <p:sp>
+        <p:nvSpPr>
+          <p:cNvPr id="2" name="标题 1"/>
+          <p:cNvSpPr>
+            <a:spLocks noGrp="1"/>
+          </p:cNvSpPr>
+          <p:nvPr>
+            <p:ph type="title"/>
+          </p:nvPr>
+        </p:nvSpPr>
+        <p:spPr/>
+        <p:txBody>
+          <a:bodyPr>
+            <a:normAutofit/>
+          </a:bodyPr>
+          <a:lstStyle/>
+          <a:p>
+            <a:r>
+              <a:rPr lang="en-US" altLang="zh-CN" dirty="0" smtClean="0"/>
+              <a:t>Js </a:t>
+            </a:r>
+            <a:r>
+              <a:rPr lang="zh-CN" altLang="en-US" dirty="0" smtClean="0"/>
+              <a:t>事件</a:t>
+            </a:r>
+            <a:endParaRPr lang="zh-CN" altLang="en-US" dirty="0"/>
+          </a:p>
+        </p:txBody>
+      </p:sp>
+      <p:sp>
+        <p:nvSpPr>
+          <p:cNvPr id="3" name="内容占位符 2"/>
+          <p:cNvSpPr>
+            <a:spLocks noGrp="1"/>
+          </p:cNvSpPr>
+          <p:nvPr>
+            <p:ph idx="1"/>
+          </p:nvPr>
+        </p:nvSpPr>
+        <p:spPr/>
+        <p:txBody>
+          <a:bodyPr/>
+          <a:lstStyle/>
+          <a:p>
+            <a:r>
+              <a:rPr lang="zh-CN" altLang="en-US" dirty="0" smtClean="0"/>
+              <a:t>事件指的是浏览器的一系列动作</a:t>
+            </a:r>
+            <a:endParaRPr lang="en-US" altLang="zh-CN" dirty="0" smtClean="0"/>
+          </a:p>
+          <a:p>
+            <a:r>
+              <a:rPr lang="zh-CN" altLang="en-US" dirty="0" smtClean="0"/>
+              <a:t>例如鼠标点击、双击，键盘按下松开等操作都会触发事件</a:t>
+            </a:r>
+            <a:endParaRPr lang="en-US" altLang="zh-CN" dirty="0" smtClean="0"/>
+          </a:p>
+          <a:p>
+            <a:r>
+              <a:rPr lang="zh-CN" altLang="en-US" dirty="0" smtClean="0"/>
+              <a:t>事件通常用作于相应用户的操作</a:t>
+            </a:r>
+            <a:endParaRPr lang="en-US" altLang="zh-CN" dirty="0" smtClean="0"/>
+          </a:p>
+          <a:p>
+            <a:r>
+              <a:rPr lang="zh-CN" altLang="en-US" dirty="0" smtClean="0"/>
+              <a:t>例如表单输入时会触发事件</a:t>
+            </a:r>
+            <a:r>
+              <a:rPr lang="en-US" smtClean="0"/>
+              <a:t>onchange</a:t>
+            </a:r>
+            <a:endParaRPr lang="zh-CN" altLang="en-US" dirty="0"/>
+          </a:p>
+        </p:txBody>
+      </p:sp>
+    </p:spTree>
+  </p:cSld>
+  <p:clrMapOvr>
+    <a:masterClrMapping/>
+  </p:clrMapOvr>
+</p:sld>
+</file>
+
 <file path=ppt/slides/slide2.xml><?xml version="1.0" encoding="utf-8"?>
 <p:sld xmlns:a="http://schemas.openxmlformats.org/drawingml/2006/main" xmlns:r="http://schemas.openxmlformats.org/officeDocument/2006/relationships" xmlns:p="http://schemas.openxmlformats.org/presentationml/2006/main">
   <p:cSld>
@@ -3798,7 +3902,7 @@
     </p:spTree>
     <p:extLst>
       <p:ext uri="{BB962C8B-B14F-4D97-AF65-F5344CB8AC3E}">
-        <p14:creationId xmlns:p14="http://schemas.microsoft.com/office/powerpoint/2010/main" val="760042363"/>
+        <p14:creationId xmlns="" xmlns:p14="http://schemas.microsoft.com/office/powerpoint/2010/main" val="760042363"/>
       </p:ext>
     </p:extLst>
   </p:cSld>
@@ -3880,7 +3984,7 @@
     </p:spTree>
     <p:extLst>
       <p:ext uri="{BB962C8B-B14F-4D97-AF65-F5344CB8AC3E}">
-        <p14:creationId xmlns:p14="http://schemas.microsoft.com/office/powerpoint/2010/main" val="406889459"/>
+        <p14:creationId xmlns="" xmlns:p14="http://schemas.microsoft.com/office/powerpoint/2010/main" val="406889459"/>
       </p:ext>
     </p:extLst>
   </p:cSld>
@@ -3981,7 +4085,7 @@
     </p:spTree>
     <p:extLst>
       <p:ext uri="{BB962C8B-B14F-4D97-AF65-F5344CB8AC3E}">
-        <p14:creationId xmlns:p14="http://schemas.microsoft.com/office/powerpoint/2010/main" val="771025009"/>
+        <p14:creationId xmlns="" xmlns:p14="http://schemas.microsoft.com/office/powerpoint/2010/main" val="771025009"/>
       </p:ext>
     </p:extLst>
   </p:cSld>
@@ -4072,7 +4176,7 @@
     </p:spTree>
     <p:extLst>
       <p:ext uri="{BB962C8B-B14F-4D97-AF65-F5344CB8AC3E}">
-        <p14:creationId xmlns:p14="http://schemas.microsoft.com/office/powerpoint/2010/main" val="3602455617"/>
+        <p14:creationId xmlns="" xmlns:p14="http://schemas.microsoft.com/office/powerpoint/2010/main" val="3602455617"/>
       </p:ext>
     </p:extLst>
   </p:cSld>
@@ -4118,6 +4222,10 @@
               <a:rPr lang="en-US" altLang="zh-CN" dirty="0" err="1" smtClean="0"/>
               <a:t>js</a:t>
             </a:r>
+            <a:r>
+              <a:rPr lang="zh-CN" altLang="en-US" dirty="0" smtClean="0"/>
+              <a:t>基础</a:t>
+            </a:r>
             <a:endParaRPr lang="zh-CN" altLang="en-US" dirty="0"/>
           </a:p>
         </p:txBody>
@@ -4156,21 +4264,136 @@
               <a:t>函数</a:t>
             </a:r>
             <a:endParaRPr lang="en-US" altLang="zh-CN" dirty="0" smtClean="0"/>
-          </a:p>
-          <a:p>
-            <a:r>
-              <a:rPr lang="zh-CN" altLang="en-US" dirty="0"/>
-              <a:t>事件</a:t>
-            </a:r>
           </a:p>
         </p:txBody>
       </p:sp>
     </p:spTree>
     <p:extLst>
       <p:ext uri="{BB962C8B-B14F-4D97-AF65-F5344CB8AC3E}">
-        <p14:creationId xmlns:p14="http://schemas.microsoft.com/office/powerpoint/2010/main" val="1901179057"/>
+        <p14:creationId xmlns="" xmlns:p14="http://schemas.microsoft.com/office/powerpoint/2010/main" val="1901179057"/>
       </p:ext>
     </p:extLst>
+  </p:cSld>
+  <p:clrMapOvr>
+    <a:masterClrMapping/>
+  </p:clrMapOvr>
+</p:sld>
+</file>
+
+<file path=ppt/slides/slide9.xml><?xml version="1.0" encoding="utf-8"?>
+<p:sld xmlns:a="http://schemas.openxmlformats.org/drawingml/2006/main" xmlns:r="http://schemas.openxmlformats.org/officeDocument/2006/relationships" xmlns:p="http://schemas.openxmlformats.org/presentationml/2006/main">
+  <p:cSld>
+    <p:spTree>
+      <p:nvGrpSpPr>
+        <p:cNvPr id="1" name=""/>
+        <p:cNvGrpSpPr/>
+        <p:nvPr/>
+      </p:nvGrpSpPr>
+      <p:grpSpPr>
+        <a:xfrm>
+          <a:off x="0" y="0"/>
+          <a:ext cx="0" cy="0"/>
+          <a:chOff x="0" y="0"/>
+          <a:chExt cx="0" cy="0"/>
+        </a:xfrm>
+      </p:grpSpPr>
+      <p:sp>
+        <p:nvSpPr>
+          <p:cNvPr id="2" name="标题 1"/>
+          <p:cNvSpPr>
+            <a:spLocks noGrp="1"/>
+          </p:cNvSpPr>
+          <p:nvPr>
+            <p:ph type="title"/>
+          </p:nvPr>
+        </p:nvSpPr>
+        <p:spPr/>
+        <p:txBody>
+          <a:bodyPr/>
+          <a:lstStyle/>
+          <a:p>
+            <a:r>
+              <a:rPr lang="en-US" altLang="zh-CN" dirty="0" smtClean="0"/>
+              <a:t>Js</a:t>
+            </a:r>
+            <a:r>
+              <a:rPr lang="zh-CN" altLang="en-US" dirty="0" smtClean="0"/>
+              <a:t> </a:t>
+            </a:r>
+            <a:r>
+              <a:rPr lang="en-US" altLang="zh-CN" dirty="0" err="1" smtClean="0"/>
+              <a:t>dom</a:t>
+            </a:r>
+            <a:endParaRPr lang="zh-CN" altLang="en-US" dirty="0"/>
+          </a:p>
+        </p:txBody>
+      </p:sp>
+      <p:sp>
+        <p:nvSpPr>
+          <p:cNvPr id="3" name="内容占位符 2"/>
+          <p:cNvSpPr>
+            <a:spLocks noGrp="1"/>
+          </p:cNvSpPr>
+          <p:nvPr>
+            <p:ph idx="1"/>
+          </p:nvPr>
+        </p:nvSpPr>
+        <p:spPr/>
+        <p:txBody>
+          <a:bodyPr/>
+          <a:lstStyle/>
+          <a:p>
+            <a:r>
+              <a:rPr lang="en-US" altLang="zh-CN" dirty="0" smtClean="0"/>
+              <a:t>Dom</a:t>
+            </a:r>
+            <a:r>
+              <a:rPr lang="zh-CN" altLang="en-US" dirty="0" smtClean="0"/>
+              <a:t>指的是构成网页的一个个节点，例如</a:t>
+            </a:r>
+            <a:r>
+              <a:rPr lang="en-US" altLang="zh-CN" dirty="0" smtClean="0"/>
+              <a:t>&lt;body&gt;&lt;/body&gt;</a:t>
+            </a:r>
+            <a:r>
+              <a:rPr lang="zh-CN" altLang="en-US" dirty="0" smtClean="0"/>
+              <a:t>就属于一个节点</a:t>
+            </a:r>
+            <a:endParaRPr lang="en-US" altLang="zh-CN" dirty="0" smtClean="0"/>
+          </a:p>
+          <a:p>
+            <a:r>
+              <a:rPr lang="zh-CN" altLang="en-US" dirty="0" smtClean="0"/>
+              <a:t>节点包含元素、属性、事件</a:t>
+            </a:r>
+            <a:endParaRPr lang="en-US" altLang="zh-CN" dirty="0" smtClean="0"/>
+          </a:p>
+          <a:p>
+            <a:r>
+              <a:rPr lang="zh-CN" altLang="en-US" dirty="0" smtClean="0"/>
+              <a:t>让页面产生动态效果，需要使用</a:t>
+            </a:r>
+            <a:r>
+              <a:rPr lang="en-US" altLang="zh-CN" dirty="0" err="1" smtClean="0"/>
+              <a:t>js</a:t>
+            </a:r>
+            <a:r>
+              <a:rPr lang="zh-CN" altLang="en-US" dirty="0" smtClean="0"/>
+              <a:t>去操作</a:t>
+            </a:r>
+            <a:r>
+              <a:rPr lang="en-US" altLang="zh-CN" dirty="0" err="1" smtClean="0"/>
+              <a:t>dom</a:t>
+            </a:r>
+            <a:r>
+              <a:rPr lang="zh-CN" altLang="en-US" dirty="0" smtClean="0"/>
+              <a:t>节点</a:t>
+            </a:r>
+            <a:endParaRPr lang="zh-CN" altLang="en-US" dirty="0"/>
+          </a:p>
+        </p:txBody>
+      </p:sp>
+    </p:spTree>
   </p:cSld>
   <p:clrMapOvr>
     <a:masterClrMapping/>

--- a/ppt/html-css-js.pptx
+++ b/ppt/html-css-js.pptx
@@ -3451,10 +3451,18 @@
           <a:p>
             <a:r>
               <a:rPr lang="zh-CN" altLang="en-US" dirty="0" smtClean="0"/>
-              <a:t>例如表单输入时会触发事件</a:t>
-            </a:r>
-            <a:r>
-              <a:rPr lang="en-US" smtClean="0"/>
+              <a:t>例如表</a:t>
+            </a:r>
+            <a:r>
+              <a:rPr lang="zh-CN" altLang="en-US" smtClean="0"/>
+              <a:t>单输入值改变会</a:t>
+            </a:r>
+            <a:r>
+              <a:rPr lang="zh-CN" altLang="en-US" dirty="0" smtClean="0"/>
+              <a:t>触发事件</a:t>
+            </a:r>
+            <a:r>
+              <a:rPr lang="en-US" dirty="0" err="1" smtClean="0"/>
               <a:t>onchange</a:t>
             </a:r>
             <a:endParaRPr lang="zh-CN" altLang="en-US" dirty="0"/>
